--- a/Documents/設計20171116.pptx
+++ b/Documents/設計20171116.pptx
@@ -5,11 +5,12 @@
     <p:sldMasterId id="2147484116" r:id="rId1"/>
   </p:sldMasterIdLst>
   <p:notesMasterIdLst>
-    <p:notesMasterId r:id="rId4"/>
+    <p:notesMasterId r:id="rId5"/>
   </p:notesMasterIdLst>
   <p:sldIdLst>
     <p:sldId id="273" r:id="rId2"/>
     <p:sldId id="274" r:id="rId3"/>
+    <p:sldId id="275" r:id="rId4"/>
   </p:sldIdLst>
   <p:sldSz cx="12192000" cy="6858000"/>
   <p:notesSz cx="6858000" cy="9144000"/>
@@ -5310,7 +5311,31 @@
             </a:pPr>
             <a:r>
               <a:rPr lang="en-US" altLang="ja-JP" dirty="0" smtClean="0"/>
-              <a:t>“Start”, &lt;VM</a:t>
+              <a:t>/home/</a:t>
+            </a:r>
+            <a:r>
+              <a:rPr lang="en-US" altLang="ja-JP" dirty="0" err="1" smtClean="0"/>
+              <a:t>kvm</a:t>
+            </a:r>
+            <a:r>
+              <a:rPr lang="en-US" altLang="ja-JP" dirty="0" smtClean="0"/>
+              <a:t>/</a:t>
+            </a:r>
+            <a:r>
+              <a:rPr lang="en-US" altLang="ja-JP" dirty="0" err="1" smtClean="0"/>
+              <a:t>s</a:t>
+            </a:r>
+            <a:r>
+              <a:rPr lang="en-US" altLang="ja-JP" dirty="0" err="1" smtClean="0"/>
+              <a:t>tart.sh</a:t>
+            </a:r>
+            <a:r>
+              <a:rPr lang="en-US" altLang="ja-JP" dirty="0" smtClean="0"/>
+              <a:t> </a:t>
+            </a:r>
+            <a:r>
+              <a:rPr lang="en-US" altLang="ja-JP" dirty="0" smtClean="0"/>
+              <a:t>“&lt;VM</a:t>
             </a:r>
             <a:r>
               <a:rPr lang="ja-JP" altLang="en-US" dirty="0" smtClean="0"/>
@@ -5318,15 +5343,7 @@
             </a:r>
             <a:r>
               <a:rPr lang="en-US" altLang="ja-JP" dirty="0" smtClean="0"/>
-              <a:t>&gt;,</a:t>
-            </a:r>
-            <a:r>
-              <a:rPr lang="ja-JP" altLang="en-US" dirty="0" smtClean="0"/>
-              <a:t> </a:t>
-            </a:r>
-            <a:r>
-              <a:rPr lang="en-US" altLang="ja-JP" dirty="0" smtClean="0"/>
-              <a:t>&lt;CPU</a:t>
+              <a:t>&gt;” “&lt;CPU</a:t>
             </a:r>
             <a:r>
               <a:rPr lang="ja-JP" altLang="en-US" dirty="0" smtClean="0"/>
@@ -5334,7 +5351,7 @@
             </a:r>
             <a:r>
               <a:rPr lang="en-US" altLang="ja-JP" dirty="0" smtClean="0"/>
-              <a:t>&gt;, &lt;</a:t>
+              <a:t>&gt;” “&lt;</a:t>
             </a:r>
             <a:r>
               <a:rPr lang="ja-JP" altLang="en-US" dirty="0" smtClean="0"/>
@@ -5342,7 +5359,7 @@
             </a:r>
             <a:r>
               <a:rPr lang="en-US" altLang="ja-JP" dirty="0" smtClean="0"/>
-              <a:t>&gt;, &lt;IP</a:t>
+              <a:t>&gt;” “&lt;IP</a:t>
             </a:r>
             <a:r>
               <a:rPr lang="ja-JP" altLang="en-US" dirty="0" smtClean="0"/>
@@ -5358,23 +5375,7 @@
                   <a:srgbClr val="FF0000"/>
                 </a:solidFill>
               </a:rPr>
-              <a:t>,</a:t>
-            </a:r>
-            <a:r>
-              <a:rPr lang="ja-JP" altLang="en-US" dirty="0" smtClean="0">
-                <a:solidFill>
-                  <a:srgbClr val="FF0000"/>
-                </a:solidFill>
-              </a:rPr>
-              <a:t> </a:t>
-            </a:r>
-            <a:r>
-              <a:rPr lang="en-US" altLang="ja-JP" dirty="0" smtClean="0">
-                <a:solidFill>
-                  <a:srgbClr val="FF0000"/>
-                </a:solidFill>
-              </a:rPr>
-              <a:t>&lt;</a:t>
+              <a:t>” “&lt;</a:t>
             </a:r>
             <a:r>
               <a:rPr lang="ja-JP" altLang="en-US" dirty="0" smtClean="0">
@@ -5394,7 +5395,7 @@
             </a:r>
             <a:r>
               <a:rPr lang="en-US" altLang="ja-JP" dirty="0" smtClean="0"/>
-              <a:t>, SSH Public Key</a:t>
+              <a:t>” “SSH Public Key”</a:t>
             </a:r>
           </a:p>
           <a:p>
@@ -5415,7 +5416,31 @@
             </a:pPr>
             <a:r>
               <a:rPr lang="en-US" altLang="ja-JP" dirty="0" smtClean="0"/>
-              <a:t>”Terminate”, &lt;VM</a:t>
+              <a:t>/hoe/</a:t>
+            </a:r>
+            <a:r>
+              <a:rPr lang="en-US" altLang="ja-JP" dirty="0" err="1" smtClean="0"/>
+              <a:t>kvm</a:t>
+            </a:r>
+            <a:r>
+              <a:rPr lang="en-US" altLang="ja-JP" dirty="0" smtClean="0"/>
+              <a:t>/</a:t>
+            </a:r>
+            <a:r>
+              <a:rPr lang="en-US" altLang="ja-JP" dirty="0" err="1" smtClean="0"/>
+              <a:t>t</a:t>
+            </a:r>
+            <a:r>
+              <a:rPr lang="en-US" altLang="ja-JP" dirty="0" err="1" smtClean="0"/>
+              <a:t>erminate.sh</a:t>
+            </a:r>
+            <a:r>
+              <a:rPr lang="en-US" altLang="ja-JP" dirty="0" smtClean="0"/>
+              <a:t> “&lt;</a:t>
+            </a:r>
+            <a:r>
+              <a:rPr lang="en-US" altLang="ja-JP" dirty="0" smtClean="0"/>
+              <a:t>VM</a:t>
             </a:r>
             <a:r>
               <a:rPr lang="ja-JP" altLang="en-US" dirty="0" smtClean="0"/>
@@ -5423,8 +5448,9 @@
             </a:r>
             <a:r>
               <a:rPr lang="en-US" altLang="ja-JP" dirty="0" smtClean="0"/>
-              <a:t>&gt;</a:t>
-            </a:r>
+              <a:t>&gt;”</a:t>
+            </a:r>
+            <a:endParaRPr lang="en-US" altLang="ja-JP" dirty="0" smtClean="0"/>
           </a:p>
           <a:p>
             <a:pPr marL="315486" lvl="1" indent="-285750">
@@ -5453,7 +5479,67 @@
                   </a:schemeClr>
                 </a:solidFill>
               </a:rPr>
-              <a:t>Start, v01, 1, 8, 192.168.0.22, XX:XX:XX:XX:XX:XX, </a:t>
+              <a:t>/home/</a:t>
+            </a:r>
+            <a:r>
+              <a:rPr lang="en-US" altLang="ja-JP" dirty="0" err="1" smtClean="0">
+                <a:solidFill>
+                  <a:schemeClr val="accent4">
+                    <a:lumMod val="75000"/>
+                  </a:schemeClr>
+                </a:solidFill>
+              </a:rPr>
+              <a:t>kvm</a:t>
+            </a:r>
+            <a:r>
+              <a:rPr lang="en-US" altLang="ja-JP" dirty="0" smtClean="0">
+                <a:solidFill>
+                  <a:schemeClr val="accent4">
+                    <a:lumMod val="75000"/>
+                  </a:schemeClr>
+                </a:solidFill>
+              </a:rPr>
+              <a:t>/</a:t>
+            </a:r>
+            <a:r>
+              <a:rPr lang="en-US" altLang="ja-JP" dirty="0" err="1" smtClean="0">
+                <a:solidFill>
+                  <a:schemeClr val="accent4">
+                    <a:lumMod val="75000"/>
+                  </a:schemeClr>
+                </a:solidFill>
+              </a:rPr>
+              <a:t>s</a:t>
+            </a:r>
+            <a:r>
+              <a:rPr lang="en-US" altLang="ja-JP" dirty="0" err="1" smtClean="0">
+                <a:solidFill>
+                  <a:schemeClr val="accent4">
+                    <a:lumMod val="75000"/>
+                  </a:schemeClr>
+                </a:solidFill>
+              </a:rPr>
+              <a:t>tart.sh</a:t>
+            </a:r>
+            <a:r>
+              <a:rPr lang="en-US" altLang="ja-JP" dirty="0" smtClean="0">
+                <a:solidFill>
+                  <a:schemeClr val="accent4">
+                    <a:lumMod val="75000"/>
+                  </a:schemeClr>
+                </a:solidFill>
+              </a:rPr>
+              <a:t> </a:t>
+            </a:r>
+            <a:r>
+              <a:rPr lang="en-US" altLang="ja-JP" dirty="0" smtClean="0">
+                <a:solidFill>
+                  <a:schemeClr val="accent4">
+                    <a:lumMod val="75000"/>
+                  </a:schemeClr>
+                </a:solidFill>
+              </a:rPr>
+              <a:t>“v01” “1” “8” “192.168.0.22” “</a:t>
             </a:r>
             <a:r>
               <a:rPr lang="en-US" altLang="ja-JP" dirty="0" err="1" smtClean="0">
@@ -5473,7 +5559,7 @@
                   </a:schemeClr>
                 </a:solidFill>
               </a:rPr>
-              <a:t>, </a:t>
+              <a:t>” “</a:t>
             </a:r>
             <a:r>
               <a:rPr lang="en-US" altLang="ja-JP" dirty="0" err="1" smtClean="0">
@@ -5493,7 +5579,7 @@
                   </a:schemeClr>
                 </a:solidFill>
               </a:rPr>
-              <a:t> AAAAB3N ....</a:t>
+              <a:t> AAAAB3N ....”</a:t>
             </a:r>
           </a:p>
           <a:p>
@@ -5518,7 +5604,67 @@
                   </a:schemeClr>
                 </a:solidFill>
               </a:rPr>
-              <a:t>Terminate, v01</a:t>
+              <a:t>/home/</a:t>
+            </a:r>
+            <a:r>
+              <a:rPr lang="en-US" altLang="ja-JP" dirty="0" err="1" smtClean="0">
+                <a:solidFill>
+                  <a:schemeClr val="accent4">
+                    <a:lumMod val="75000"/>
+                  </a:schemeClr>
+                </a:solidFill>
+              </a:rPr>
+              <a:t>kvm</a:t>
+            </a:r>
+            <a:r>
+              <a:rPr lang="en-US" altLang="ja-JP" dirty="0" smtClean="0">
+                <a:solidFill>
+                  <a:schemeClr val="accent4">
+                    <a:lumMod val="75000"/>
+                  </a:schemeClr>
+                </a:solidFill>
+              </a:rPr>
+              <a:t>/</a:t>
+            </a:r>
+            <a:r>
+              <a:rPr lang="en-US" altLang="ja-JP" dirty="0" err="1" smtClean="0">
+                <a:solidFill>
+                  <a:schemeClr val="accent4">
+                    <a:lumMod val="75000"/>
+                  </a:schemeClr>
+                </a:solidFill>
+              </a:rPr>
+              <a:t>t</a:t>
+            </a:r>
+            <a:r>
+              <a:rPr lang="en-US" altLang="ja-JP" dirty="0" err="1" smtClean="0">
+                <a:solidFill>
+                  <a:schemeClr val="accent4">
+                    <a:lumMod val="75000"/>
+                  </a:schemeClr>
+                </a:solidFill>
+              </a:rPr>
+              <a:t>erminate.sh</a:t>
+            </a:r>
+            <a:r>
+              <a:rPr lang="en-US" altLang="ja-JP" dirty="0" smtClean="0">
+                <a:solidFill>
+                  <a:schemeClr val="accent4">
+                    <a:lumMod val="75000"/>
+                  </a:schemeClr>
+                </a:solidFill>
+              </a:rPr>
+              <a:t> </a:t>
+            </a:r>
+            <a:r>
+              <a:rPr lang="en-US" altLang="ja-JP" dirty="0" smtClean="0">
+                <a:solidFill>
+                  <a:schemeClr val="accent4">
+                    <a:lumMod val="75000"/>
+                  </a:schemeClr>
+                </a:solidFill>
+              </a:rPr>
+              <a:t>“v01”</a:t>
             </a:r>
           </a:p>
           <a:p>
@@ -5561,8 +5707,8 @@
         </p:nvSpPr>
         <p:spPr>
           <a:xfrm>
-            <a:off x="9880819" y="423383"/>
-            <a:ext cx="1800493" cy="369332"/>
+            <a:off x="9497705" y="423383"/>
+            <a:ext cx="2492990" cy="646331"/>
           </a:xfrm>
           <a:prstGeom prst="rect">
             <a:avLst/>
@@ -5581,15 +5727,22 @@
                   <a:srgbClr val="FF0000"/>
                 </a:solidFill>
               </a:rPr>
-              <a:t>ホスト名</a:t>
-            </a:r>
+              <a:t>ホスト名を追加</a:t>
+            </a:r>
+            <a:endParaRPr kumimoji="1" lang="en-US" altLang="ja-JP" dirty="0" smtClean="0">
+              <a:solidFill>
+                <a:srgbClr val="FF0000"/>
+              </a:solidFill>
+            </a:endParaRPr>
+          </a:p>
+          <a:p>
             <a:r>
               <a:rPr kumimoji="1" lang="ja-JP" altLang="en-US" dirty="0" smtClean="0">
                 <a:solidFill>
                   <a:srgbClr val="FF0000"/>
                 </a:solidFill>
               </a:rPr>
-              <a:t>を追加</a:t>
+              <a:t>スペース区切りに変更</a:t>
             </a:r>
             <a:endParaRPr kumimoji="1" lang="ja-JP" altLang="en-US" dirty="0">
               <a:solidFill>
@@ -5616,6 +5769,346 @@
       </p:par>
     </p:tnLst>
   </p:timing>
+</p:sld>
+</file>
+
+<file path=ppt/slides/slide3.xml><?xml version="1.0" encoding="utf-8"?>
+<p:sld xmlns:a="http://schemas.openxmlformats.org/drawingml/2006/main" xmlns:r="http://schemas.openxmlformats.org/officeDocument/2006/relationships" xmlns:p="http://schemas.openxmlformats.org/presentationml/2006/main">
+  <p:cSld>
+    <p:spTree>
+      <p:nvGrpSpPr>
+        <p:cNvPr id="1" name=""/>
+        <p:cNvGrpSpPr/>
+        <p:nvPr/>
+      </p:nvGrpSpPr>
+      <p:grpSpPr>
+        <a:xfrm>
+          <a:off x="0" y="0"/>
+          <a:ext cx="0" cy="0"/>
+          <a:chOff x="0" y="0"/>
+          <a:chExt cx="0" cy="0"/>
+        </a:xfrm>
+      </p:grpSpPr>
+      <p:sp>
+        <p:nvSpPr>
+          <p:cNvPr id="2" name="タイトル 1"/>
+          <p:cNvSpPr>
+            <a:spLocks noGrp="1"/>
+          </p:cNvSpPr>
+          <p:nvPr>
+            <p:ph type="title"/>
+          </p:nvPr>
+        </p:nvSpPr>
+        <p:spPr/>
+        <p:txBody>
+          <a:bodyPr/>
+          <a:lstStyle/>
+          <a:p>
+            <a:r>
+              <a:rPr kumimoji="1" lang="en-US" altLang="ja-JP" dirty="0" smtClean="0"/>
+              <a:t>VM Agent</a:t>
+            </a:r>
+            <a:r>
+              <a:rPr kumimoji="1" lang="ja-JP" altLang="en-US" dirty="0" smtClean="0"/>
+              <a:t>から呼ぶスクリプト</a:t>
+            </a:r>
+            <a:endParaRPr kumimoji="1" lang="ja-JP" altLang="en-US" dirty="0"/>
+          </a:p>
+        </p:txBody>
+      </p:sp>
+      <p:sp>
+        <p:nvSpPr>
+          <p:cNvPr id="3" name="コンテンツ プレースホルダー 2"/>
+          <p:cNvSpPr>
+            <a:spLocks noGrp="1"/>
+          </p:cNvSpPr>
+          <p:nvPr>
+            <p:ph idx="1"/>
+          </p:nvPr>
+        </p:nvSpPr>
+        <p:spPr/>
+        <p:txBody>
+          <a:bodyPr/>
+          <a:lstStyle/>
+          <a:p>
+            <a:r>
+              <a:rPr kumimoji="1" lang="ja-JP" altLang="en-US" dirty="0" smtClean="0"/>
+              <a:t>起動 </a:t>
+            </a:r>
+            <a:endParaRPr kumimoji="1" lang="en-US" altLang="ja-JP" dirty="0" smtClean="0"/>
+          </a:p>
+          <a:p>
+            <a:pPr lvl="2"/>
+            <a:r>
+              <a:rPr lang="en-US" altLang="ja-JP" dirty="0" smtClean="0"/>
+              <a:t>/home/</a:t>
+            </a:r>
+            <a:r>
+              <a:rPr lang="en-US" altLang="ja-JP" dirty="0" err="1" smtClean="0"/>
+              <a:t>kvm</a:t>
+            </a:r>
+            <a:r>
+              <a:rPr lang="en-US" altLang="ja-JP" dirty="0" smtClean="0"/>
+              <a:t>/</a:t>
+            </a:r>
+            <a:r>
+              <a:rPr lang="en-US" altLang="ja-JP" dirty="0" err="1" smtClean="0"/>
+              <a:t>start.sh</a:t>
+            </a:r>
+            <a:endParaRPr lang="en-US" altLang="ja-JP" dirty="0" smtClean="0"/>
+          </a:p>
+          <a:p>
+            <a:pPr lvl="2"/>
+            <a:r>
+              <a:rPr lang="ja-JP" altLang="en-US" dirty="0" smtClean="0"/>
+              <a:t>ルートユーザで呼ぶこと</a:t>
+            </a:r>
+            <a:endParaRPr lang="en-US" altLang="ja-JP" dirty="0" smtClean="0"/>
+          </a:p>
+          <a:p>
+            <a:pPr lvl="2"/>
+            <a:r>
+              <a:rPr lang="ja-JP" altLang="en-US" dirty="0" smtClean="0"/>
+              <a:t>引数に以下を指定すること。</a:t>
+            </a:r>
+            <a:endParaRPr lang="en-US" altLang="ja-JP" dirty="0"/>
+          </a:p>
+          <a:p>
+            <a:pPr marL="310896" lvl="2" indent="0">
+              <a:buNone/>
+            </a:pPr>
+            <a:r>
+              <a:rPr lang="ja-JP" altLang="en-US" dirty="0" smtClean="0"/>
+              <a:t>     </a:t>
+            </a:r>
+            <a:r>
+              <a:rPr lang="en-US" altLang="ja-JP" dirty="0" smtClean="0"/>
+              <a:t>“&lt;</a:t>
+            </a:r>
+            <a:r>
+              <a:rPr lang="en-US" altLang="ja-JP" dirty="0"/>
+              <a:t>VM</a:t>
+            </a:r>
+            <a:r>
+              <a:rPr lang="ja-JP" altLang="en-US" dirty="0"/>
+              <a:t>ドメイン名</a:t>
+            </a:r>
+            <a:r>
+              <a:rPr lang="en-US" altLang="ja-JP" dirty="0"/>
+              <a:t>&gt;” “&lt;CPU</a:t>
+            </a:r>
+            <a:r>
+              <a:rPr lang="ja-JP" altLang="en-US" dirty="0"/>
+              <a:t>の数</a:t>
+            </a:r>
+            <a:r>
+              <a:rPr lang="en-US" altLang="ja-JP" dirty="0"/>
+              <a:t>&gt;” “&lt;</a:t>
+            </a:r>
+            <a:r>
+              <a:rPr lang="ja-JP" altLang="en-US" dirty="0"/>
+              <a:t>メモリ</a:t>
+            </a:r>
+            <a:r>
+              <a:rPr lang="en-US" altLang="ja-JP" dirty="0"/>
+              <a:t>&gt;” “&lt;IP</a:t>
+            </a:r>
+            <a:r>
+              <a:rPr lang="ja-JP" altLang="en-US" dirty="0"/>
+              <a:t>アドレス</a:t>
+            </a:r>
+            <a:r>
+              <a:rPr lang="en-US" altLang="ja-JP" dirty="0"/>
+              <a:t>&gt;” “&lt;</a:t>
+            </a:r>
+            <a:r>
+              <a:rPr lang="ja-JP" altLang="en-US" dirty="0"/>
+              <a:t>ホスト名</a:t>
+            </a:r>
+            <a:r>
+              <a:rPr lang="en-US" altLang="ja-JP" dirty="0"/>
+              <a:t>&gt;” “SSH Public Key</a:t>
+            </a:r>
+            <a:r>
+              <a:rPr lang="en-US" altLang="ja-JP" dirty="0" smtClean="0"/>
+              <a:t>”</a:t>
+            </a:r>
+            <a:endParaRPr lang="en-US" altLang="ja-JP" dirty="0"/>
+          </a:p>
+          <a:p>
+            <a:pPr lvl="2"/>
+            <a:r>
+              <a:rPr lang="ja-JP" altLang="en-US" dirty="0" smtClean="0"/>
+              <a:t>例</a:t>
+            </a:r>
+            <a:endParaRPr lang="en-US" altLang="ja-JP" dirty="0" smtClean="0"/>
+          </a:p>
+          <a:p>
+            <a:pPr marL="310896" lvl="2" indent="0">
+              <a:buNone/>
+            </a:pPr>
+            <a:r>
+              <a:rPr lang="en-US" altLang="ja-JP" dirty="0" smtClean="0"/>
+              <a:t>     /home/</a:t>
+            </a:r>
+            <a:r>
+              <a:rPr lang="en-US" altLang="ja-JP" dirty="0" err="1" smtClean="0"/>
+              <a:t>kvm</a:t>
+            </a:r>
+            <a:r>
+              <a:rPr lang="en-US" altLang="ja-JP" dirty="0" smtClean="0"/>
+              <a:t>/</a:t>
+            </a:r>
+            <a:r>
+              <a:rPr lang="en-US" altLang="ja-JP" dirty="0" err="1" smtClean="0"/>
+              <a:t>start.sh</a:t>
+            </a:r>
+            <a:r>
+              <a:rPr lang="en-US" altLang="ja-JP" dirty="0" smtClean="0"/>
+              <a:t> ”v01” “1” “512” “192.168.0.22” “</a:t>
+            </a:r>
+            <a:r>
+              <a:rPr lang="en-US" altLang="ja-JP" dirty="0" err="1" smtClean="0"/>
+              <a:t>hogehoge</a:t>
+            </a:r>
+            <a:r>
+              <a:rPr lang="en-US" altLang="ja-JP" dirty="0" smtClean="0"/>
+              <a:t>” “SSH-KEY ALSKJFLKJEKJG..”</a:t>
+            </a:r>
+            <a:endParaRPr lang="en-US" altLang="ja-JP" dirty="0"/>
+          </a:p>
+          <a:p>
+            <a:pPr lvl="2"/>
+            <a:endParaRPr lang="en-US" altLang="ja-JP" dirty="0" smtClean="0"/>
+          </a:p>
+          <a:p>
+            <a:r>
+              <a:rPr lang="ja-JP" altLang="en-US" dirty="0" smtClean="0"/>
+              <a:t>停止</a:t>
+            </a:r>
+            <a:endParaRPr lang="en-US" altLang="ja-JP" dirty="0"/>
+          </a:p>
+          <a:p>
+            <a:pPr lvl="2"/>
+            <a:r>
+              <a:rPr lang="en-US" altLang="ja-JP" dirty="0" smtClean="0"/>
+              <a:t>/home/</a:t>
+            </a:r>
+            <a:r>
+              <a:rPr lang="en-US" altLang="ja-JP" dirty="0" err="1" smtClean="0"/>
+              <a:t>kvm</a:t>
+            </a:r>
+            <a:r>
+              <a:rPr lang="en-US" altLang="ja-JP" dirty="0" smtClean="0"/>
+              <a:t>/</a:t>
+            </a:r>
+            <a:r>
+              <a:rPr lang="en-US" altLang="ja-JP" dirty="0" err="1" smtClean="0"/>
+              <a:t>terminate.sh</a:t>
+            </a:r>
+            <a:endParaRPr lang="en-US" altLang="ja-JP" dirty="0" smtClean="0"/>
+          </a:p>
+          <a:p>
+            <a:pPr lvl="2"/>
+            <a:r>
+              <a:rPr lang="ja-JP" altLang="en-US" dirty="0" smtClean="0"/>
+              <a:t>ルートユーザで呼ぶこと</a:t>
+            </a:r>
+            <a:endParaRPr lang="en-US" altLang="ja-JP" dirty="0" smtClean="0"/>
+          </a:p>
+          <a:p>
+            <a:pPr lvl="2"/>
+            <a:r>
+              <a:rPr lang="ja-JP" altLang="en-US" dirty="0" smtClean="0"/>
+              <a:t>引数に以下を指定すること</a:t>
+            </a:r>
+            <a:endParaRPr lang="en-US" altLang="ja-JP" dirty="0" smtClean="0"/>
+          </a:p>
+          <a:p>
+            <a:pPr marL="310896" lvl="2" indent="0">
+              <a:buNone/>
+            </a:pPr>
+            <a:r>
+              <a:rPr lang="en-US" altLang="ja-JP" dirty="0" smtClean="0"/>
+              <a:t>   “&lt;VM</a:t>
+            </a:r>
+            <a:r>
+              <a:rPr lang="ja-JP" altLang="en-US" dirty="0" smtClean="0"/>
+              <a:t>ドメイン名</a:t>
+            </a:r>
+            <a:r>
+              <a:rPr lang="en-US" altLang="ja-JP" dirty="0" smtClean="0"/>
+              <a:t>&gt;”</a:t>
+            </a:r>
+          </a:p>
+          <a:p>
+            <a:pPr lvl="2"/>
+            <a:r>
+              <a:rPr lang="ja-JP" altLang="en-US" dirty="0" smtClean="0"/>
+              <a:t>例</a:t>
+            </a:r>
+            <a:endParaRPr lang="en-US" altLang="ja-JP" dirty="0" smtClean="0"/>
+          </a:p>
+          <a:p>
+            <a:pPr marL="310896" lvl="2" indent="0">
+              <a:buNone/>
+            </a:pPr>
+            <a:r>
+              <a:rPr lang="ja-JP" altLang="en-US" dirty="0"/>
+              <a:t> </a:t>
+            </a:r>
+            <a:r>
+              <a:rPr lang="ja-JP" altLang="en-US" dirty="0" smtClean="0"/>
+              <a:t> </a:t>
+            </a:r>
+            <a:r>
+              <a:rPr lang="en-US" altLang="ja-JP" dirty="0" smtClean="0"/>
+              <a:t>/home/</a:t>
+            </a:r>
+            <a:r>
+              <a:rPr lang="en-US" altLang="ja-JP" dirty="0" err="1" smtClean="0"/>
+              <a:t>kvm</a:t>
+            </a:r>
+            <a:r>
+              <a:rPr lang="en-US" altLang="ja-JP" dirty="0" smtClean="0"/>
+              <a:t>/terminate “v01”</a:t>
+            </a:r>
+          </a:p>
+        </p:txBody>
+      </p:sp>
+      <p:sp>
+        <p:nvSpPr>
+          <p:cNvPr id="4" name="日付プレースホルダー 3"/>
+          <p:cNvSpPr>
+            <a:spLocks noGrp="1"/>
+          </p:cNvSpPr>
+          <p:nvPr>
+            <p:ph type="dt" sz="half" idx="10"/>
+          </p:nvPr>
+        </p:nvSpPr>
+        <p:spPr/>
+        <p:txBody>
+          <a:bodyPr/>
+          <a:lstStyle/>
+          <a:p>
+            <a:fld id="{810FDA31-1BCB-F740-922F-AB59B2E00D1E}" type="datetime1">
+              <a:rPr lang="ja-JP" altLang="en-US" smtClean="0"/>
+              <a:t>2017/11/17</a:t>
+            </a:fld>
+            <a:endParaRPr lang="en-US" dirty="0"/>
+          </a:p>
+        </p:txBody>
+      </p:sp>
+    </p:spTree>
+    <p:extLst>
+      <p:ext uri="{BB962C8B-B14F-4D97-AF65-F5344CB8AC3E}">
+        <p14:creationId xmlns:p14="http://schemas.microsoft.com/office/powerpoint/2010/main" val="775876293"/>
+      </p:ext>
+    </p:extLst>
+  </p:cSld>
+  <p:clrMapOvr>
+    <a:masterClrMapping/>
+  </p:clrMapOvr>
 </p:sld>
 </file>
 
